--- a/actualVersion/Microsoft PowerPoint-Präsentation (neu).pptx
+++ b/actualVersion/Microsoft PowerPoint-Präsentation (neu).pptx
@@ -104,6 +104,11 @@
       </a:defRPr>
     </a:lvl9pPr>
   </p:defaultTextStyle>
+  <p:extLst>
+    <p:ext uri="{EFAFB233-063F-42B5-8137-9DF3F51BA10A}">
+      <p15:sldGuideLst xmlns:p15="http://schemas.microsoft.com/office/powerpoint/2012/main"/>
+    </p:ext>
+  </p:extLst>
 </p:presentation>
 </file>
 
@@ -256,7 +261,7 @@
           <a:p>
             <a:fld id="{1B4A3C40-335F-46F2-861D-60D8EE596EA7}" type="datetimeFigureOut">
               <a:rPr lang="de-AT" smtClean="0"/>
-              <a:t>07.06.2020</a:t>
+              <a:t>13.06.2020</a:t>
             </a:fld>
             <a:endParaRPr lang="de-AT"/>
           </a:p>
@@ -456,7 +461,7 @@
           <a:p>
             <a:fld id="{1B4A3C40-335F-46F2-861D-60D8EE596EA7}" type="datetimeFigureOut">
               <a:rPr lang="de-AT" smtClean="0"/>
-              <a:t>07.06.2020</a:t>
+              <a:t>13.06.2020</a:t>
             </a:fld>
             <a:endParaRPr lang="de-AT"/>
           </a:p>
@@ -666,7 +671,7 @@
           <a:p>
             <a:fld id="{1B4A3C40-335F-46F2-861D-60D8EE596EA7}" type="datetimeFigureOut">
               <a:rPr lang="de-AT" smtClean="0"/>
-              <a:t>07.06.2020</a:t>
+              <a:t>13.06.2020</a:t>
             </a:fld>
             <a:endParaRPr lang="de-AT"/>
           </a:p>
@@ -866,7 +871,7 @@
           <a:p>
             <a:fld id="{1B4A3C40-335F-46F2-861D-60D8EE596EA7}" type="datetimeFigureOut">
               <a:rPr lang="de-AT" smtClean="0"/>
-              <a:t>07.06.2020</a:t>
+              <a:t>13.06.2020</a:t>
             </a:fld>
             <a:endParaRPr lang="de-AT"/>
           </a:p>
@@ -1142,7 +1147,7 @@
           <a:p>
             <a:fld id="{1B4A3C40-335F-46F2-861D-60D8EE596EA7}" type="datetimeFigureOut">
               <a:rPr lang="de-AT" smtClean="0"/>
-              <a:t>07.06.2020</a:t>
+              <a:t>13.06.2020</a:t>
             </a:fld>
             <a:endParaRPr lang="de-AT"/>
           </a:p>
@@ -1410,7 +1415,7 @@
           <a:p>
             <a:fld id="{1B4A3C40-335F-46F2-861D-60D8EE596EA7}" type="datetimeFigureOut">
               <a:rPr lang="de-AT" smtClean="0"/>
-              <a:t>07.06.2020</a:t>
+              <a:t>13.06.2020</a:t>
             </a:fld>
             <a:endParaRPr lang="de-AT"/>
           </a:p>
@@ -1825,7 +1830,7 @@
           <a:p>
             <a:fld id="{1B4A3C40-335F-46F2-861D-60D8EE596EA7}" type="datetimeFigureOut">
               <a:rPr lang="de-AT" smtClean="0"/>
-              <a:t>07.06.2020</a:t>
+              <a:t>13.06.2020</a:t>
             </a:fld>
             <a:endParaRPr lang="de-AT"/>
           </a:p>
@@ -1967,7 +1972,7 @@
           <a:p>
             <a:fld id="{1B4A3C40-335F-46F2-861D-60D8EE596EA7}" type="datetimeFigureOut">
               <a:rPr lang="de-AT" smtClean="0"/>
-              <a:t>07.06.2020</a:t>
+              <a:t>13.06.2020</a:t>
             </a:fld>
             <a:endParaRPr lang="de-AT"/>
           </a:p>
@@ -2080,7 +2085,7 @@
           <a:p>
             <a:fld id="{1B4A3C40-335F-46F2-861D-60D8EE596EA7}" type="datetimeFigureOut">
               <a:rPr lang="de-AT" smtClean="0"/>
-              <a:t>07.06.2020</a:t>
+              <a:t>13.06.2020</a:t>
             </a:fld>
             <a:endParaRPr lang="de-AT"/>
           </a:p>
@@ -2393,7 +2398,7 @@
           <a:p>
             <a:fld id="{1B4A3C40-335F-46F2-861D-60D8EE596EA7}" type="datetimeFigureOut">
               <a:rPr lang="de-AT" smtClean="0"/>
-              <a:t>07.06.2020</a:t>
+              <a:t>13.06.2020</a:t>
             </a:fld>
             <a:endParaRPr lang="de-AT"/>
           </a:p>
@@ -2682,7 +2687,7 @@
           <a:p>
             <a:fld id="{1B4A3C40-335F-46F2-861D-60D8EE596EA7}" type="datetimeFigureOut">
               <a:rPr lang="de-AT" smtClean="0"/>
-              <a:t>07.06.2020</a:t>
+              <a:t>13.06.2020</a:t>
             </a:fld>
             <a:endParaRPr lang="de-AT"/>
           </a:p>
@@ -2925,7 +2930,7 @@
           <a:p>
             <a:fld id="{1B4A3C40-335F-46F2-861D-60D8EE596EA7}" type="datetimeFigureOut">
               <a:rPr lang="de-AT" smtClean="0"/>
-              <a:t>07.06.2020</a:t>
+              <a:t>13.06.2020</a:t>
             </a:fld>
             <a:endParaRPr lang="de-AT"/>
           </a:p>
@@ -3344,10 +3349,10 @@
       </p:grpSpPr>
       <p:pic>
         <p:nvPicPr>
-          <p:cNvPr id="5" name="Grafik 4">
-            <a:extLst>
-              <a:ext uri="{FF2B5EF4-FFF2-40B4-BE49-F238E27FC236}">
-                <a16:creationId xmlns:a16="http://schemas.microsoft.com/office/drawing/2014/main" id="{893FD6F0-DA5A-4836-9ED4-2C1C77F4F375}"/>
+          <p:cNvPr id="3" name="Grafik 2" descr="Ein Bild, das Bildschirm, Computer, Tisch, Mann enthält.&#10;&#10;Automatisch generierte Beschreibung">
+            <a:extLst>
+              <a:ext uri="{FF2B5EF4-FFF2-40B4-BE49-F238E27FC236}">
+                <a16:creationId xmlns:a16="http://schemas.microsoft.com/office/drawing/2014/main" id="{752675A5-4103-43F4-8DED-EA837BCE79DA}"/>
               </a:ext>
             </a:extLst>
           </p:cNvPr>
@@ -3356,7 +3361,7 @@
           </p:cNvPicPr>
           <p:nvPr/>
         </p:nvPicPr>
-        <p:blipFill>
+        <p:blipFill rotWithShape="1">
           <a:blip r:embed="rId2">
             <a:extLst>
               <a:ext uri="{28A0092B-C50C-407E-A947-70E740481C1C}">
@@ -3364,14 +3369,13 @@
               </a:ext>
             </a:extLst>
           </a:blip>
-          <a:stretch>
-            <a:fillRect/>
-          </a:stretch>
+          <a:srcRect b="5904"/>
+          <a:stretch/>
         </p:blipFill>
         <p:spPr>
           <a:xfrm>
-            <a:off x="2956743" y="384075"/>
-            <a:ext cx="6125287" cy="4100317"/>
+            <a:off x="2996404" y="511250"/>
+            <a:ext cx="5573966" cy="3992242"/>
           </a:xfrm>
           <a:prstGeom prst="rect">
             <a:avLst/>
@@ -3451,7 +3455,23 @@
                   <a:srgbClr val="FF0000"/>
                 </a:solidFill>
               </a:rPr>
-              <a:t>We let the CS run 1e5 times</a:t>
+              <a:t>We let the CS </a:t>
+            </a:r>
+            <a:r>
+              <a:rPr lang="de-AT" dirty="0" err="1">
+                <a:solidFill>
+                  <a:srgbClr val="FF0000"/>
+                </a:solidFill>
+              </a:rPr>
+              <a:t>run</a:t>
+            </a:r>
+            <a:r>
+              <a:rPr lang="de-AT" dirty="0">
+                <a:solidFill>
+                  <a:srgbClr val="FF0000"/>
+                </a:solidFill>
+              </a:rPr>
+              <a:t> 1e4 times</a:t>
             </a:r>
           </a:p>
         </p:txBody>
@@ -3636,8 +3656,8 @@
         </p:nvCxnSpPr>
         <p:spPr>
           <a:xfrm flipH="1" flipV="1">
-            <a:off x="6238101" y="4139441"/>
-            <a:ext cx="676065" cy="594093"/>
+            <a:off x="6179299" y="4066524"/>
+            <a:ext cx="734868" cy="667011"/>
           </a:xfrm>
           <a:prstGeom prst="line">
             <a:avLst/>
